--- a/trunk/Project 2/Part2/CS554_EuroTeam_Project2_OP5 - Ben.pptx
+++ b/trunk/Project 2/Part2/CS554_EuroTeam_Project2_OP5 - Ben.pptx
@@ -8062,81 +8062,81 @@
           <a:lstStyle/>
           <a:p>
             <a:r>
-              <a:rPr lang="en-US" dirty="0" smtClean="0"/>
+              <a:rPr lang="en-US" sz="2800" dirty="0" smtClean="0"/>
               <a:t>A common interchange language:</a:t>
             </a:r>
           </a:p>
           <a:p>
             <a:pPr lvl="1"/>
             <a:r>
-              <a:rPr lang="en-US" dirty="0" smtClean="0"/>
+              <a:rPr lang="en-US" sz="2400" dirty="0" smtClean="0"/>
               <a:t>Provide variety of tools belonging to several ADLs</a:t>
             </a:r>
           </a:p>
           <a:p>
             <a:pPr lvl="1"/>
             <a:r>
-              <a:rPr lang="en-US" dirty="0" smtClean="0"/>
+              <a:rPr lang="en-US" sz="2400" dirty="0" smtClean="0"/>
               <a:t>Easy to use : one format for all ADLs, programmers don’t have to master all ADL’s languages</a:t>
             </a:r>
           </a:p>
           <a:p>
             <a:r>
-              <a:rPr lang="en-US" dirty="0" smtClean="0"/>
+              <a:rPr lang="en-US" sz="2800" dirty="0" smtClean="0"/>
               <a:t>User-friendly interface</a:t>
             </a:r>
           </a:p>
           <a:p>
             <a:pPr lvl="1"/>
             <a:r>
-              <a:rPr lang="en-US" dirty="0" smtClean="0"/>
+              <a:rPr lang="en-US" sz="2400" dirty="0" smtClean="0"/>
               <a:t>Very complete, lot of functions</a:t>
             </a:r>
           </a:p>
           <a:p>
             <a:pPr lvl="1"/>
             <a:r>
-              <a:rPr lang="en-US" dirty="0" smtClean="0"/>
+              <a:rPr lang="en-US" sz="2400" dirty="0" smtClean="0"/>
               <a:t>Seven basics entities</a:t>
             </a:r>
           </a:p>
           <a:p>
             <a:pPr lvl="1"/>
             <a:r>
-              <a:rPr lang="en-US" dirty="0" smtClean="0"/>
+              <a:rPr lang="en-US" sz="2400" dirty="0" smtClean="0"/>
               <a:t>Easy for the user, don’t need to learn ACME language</a:t>
             </a:r>
           </a:p>
           <a:p>
             <a:r>
-              <a:rPr lang="en-US" dirty="0" smtClean="0"/>
+              <a:rPr lang="en-US" sz="2800" dirty="0" smtClean="0"/>
               <a:t>Group each auxiliary information from ADLs, by using properties</a:t>
             </a:r>
           </a:p>
           <a:p>
             <a:pPr lvl="1"/>
             <a:r>
-              <a:rPr lang="en-US" dirty="0" smtClean="0"/>
+              <a:rPr lang="en-US" sz="2400" dirty="0" smtClean="0"/>
               <a:t>Ex  : Property Aesop-style : style-id = </a:t>
             </a:r>
             <a:r>
-              <a:rPr lang="en-US" dirty="0" err="1" smtClean="0"/>
+              <a:rPr lang="en-US" sz="2400" dirty="0" err="1" smtClean="0"/>
               <a:t>clientserver</a:t>
             </a:r>
             <a:r>
-              <a:rPr lang="en-US" dirty="0" smtClean="0"/>
+              <a:rPr lang="en-US" sz="2400" dirty="0" smtClean="0"/>
               <a:t>;</a:t>
             </a:r>
           </a:p>
           <a:p>
-            <a:endParaRPr lang="en-US" dirty="0" smtClean="0"/>
+            <a:endParaRPr lang="en-US" sz="2800" dirty="0" smtClean="0"/>
           </a:p>
           <a:p>
             <a:pPr lvl="1">
               <a:buNone/>
             </a:pPr>
             <a:r>
-              <a:rPr lang="en-US" dirty="0" smtClean="0"/>
+              <a:rPr lang="en-US" sz="2400" dirty="0" smtClean="0"/>
               <a:t>	</a:t>
             </a:r>
           </a:p>
@@ -8144,27 +8144,27 @@
             <a:pPr lvl="1">
               <a:buNone/>
             </a:pPr>
-            <a:endParaRPr lang="en-US" dirty="0" smtClean="0"/>
+            <a:endParaRPr lang="en-US" sz="2400" dirty="0" smtClean="0"/>
           </a:p>
           <a:p>
             <a:pPr lvl="1"/>
-            <a:endParaRPr lang="en-US" dirty="0" smtClean="0"/>
+            <a:endParaRPr lang="en-US" sz="2400" dirty="0" smtClean="0"/>
           </a:p>
           <a:p>
             <a:pPr lvl="1"/>
-            <a:endParaRPr lang="en-US" dirty="0" smtClean="0"/>
+            <a:endParaRPr lang="en-US" sz="2400" dirty="0" smtClean="0"/>
           </a:p>
           <a:p>
             <a:pPr lvl="1"/>
-            <a:endParaRPr lang="en-US" dirty="0" smtClean="0"/>
+            <a:endParaRPr lang="en-US" sz="2400" dirty="0" smtClean="0"/>
           </a:p>
           <a:p>
             <a:pPr lvl="1"/>
-            <a:endParaRPr lang="en-US" dirty="0" smtClean="0"/>
+            <a:endParaRPr lang="en-US" sz="2400" dirty="0" smtClean="0"/>
           </a:p>
           <a:p>
             <a:pPr lvl="1"/>
-            <a:endParaRPr lang="en-US" dirty="0"/>
+            <a:endParaRPr lang="en-US" sz="2400" dirty="0"/>
           </a:p>
         </p:txBody>
       </p:sp>
@@ -8232,91 +8232,110 @@
           <a:lstStyle/>
           <a:p>
             <a:r>
-              <a:rPr lang="en-US" dirty="0" smtClean="0"/>
+              <a:rPr lang="en-US" sz="2800" dirty="0" smtClean="0">
+                <a:sym typeface="Wingdings" pitchFamily="2" charset="2"/>
+              </a:rPr>
+              <a:t>Acme provides translation between 2 ADLS</a:t>
+            </a:r>
+          </a:p>
+          <a:p>
+            <a:pPr lvl="1"/>
+            <a:r>
+              <a:rPr lang="en-US" sz="2400" dirty="0" smtClean="0">
+                <a:sym typeface="Wingdings" pitchFamily="2" charset="2"/>
+              </a:rPr>
+              <a:t> don’t provide advanced tools for each ADL</a:t>
+            </a:r>
+          </a:p>
+          <a:p>
+            <a:pPr lvl="1"/>
+            <a:r>
+              <a:rPr lang="en-US" sz="2400" dirty="0" smtClean="0">
+                <a:sym typeface="Wingdings" pitchFamily="2" charset="2"/>
+              </a:rPr>
+              <a:t> you may turn to another tool if you want describe detailed </a:t>
+            </a:r>
+            <a:r>
+              <a:rPr lang="en-US" sz="2400" dirty="0" smtClean="0">
+                <a:sym typeface="Wingdings" pitchFamily="2" charset="2"/>
+              </a:rPr>
+              <a:t>architecture</a:t>
+            </a:r>
+            <a:endParaRPr lang="en-US" sz="2800" dirty="0" smtClean="0"/>
+          </a:p>
+          <a:p>
+            <a:r>
+              <a:rPr lang="en-US" sz="2800" dirty="0" smtClean="0"/>
               <a:t>Should limit the class of systems of ADLs for translations</a:t>
             </a:r>
           </a:p>
           <a:p>
-            <a:r>
-              <a:rPr lang="en-US" dirty="0" smtClean="0"/>
+            <a:pPr lvl="1"/>
+            <a:r>
+              <a:rPr lang="en-US" sz="2400" dirty="0" smtClean="0">
+                <a:sym typeface="Wingdings" pitchFamily="2" charset="2"/>
+              </a:rPr>
+              <a:t>often important and painful trade-offs have to be made to permit the success of translation</a:t>
+            </a:r>
+          </a:p>
+          <a:p>
+            <a:r>
+              <a:rPr lang="en-US" sz="2800" dirty="0" smtClean="0"/>
               <a:t>Try to develop a translator bi-directionality will complicate the program a lot</a:t>
             </a:r>
             <a:r>
-              <a:rPr lang="en-US" dirty="0" smtClean="0"/>
+              <a:rPr lang="en-US" sz="2800" dirty="0" smtClean="0"/>
               <a:t>	</a:t>
             </a:r>
-            <a:endParaRPr lang="en-US" dirty="0" smtClean="0"/>
+            <a:endParaRPr lang="en-US" sz="2800" dirty="0" smtClean="0"/>
           </a:p>
           <a:p>
             <a:pPr lvl="1"/>
             <a:r>
-              <a:rPr lang="en-US" dirty="0" smtClean="0">
+              <a:rPr lang="en-US" sz="2400" dirty="0" smtClean="0">
                 <a:sym typeface="Wingdings" pitchFamily="2" charset="2"/>
               </a:rPr>
-              <a:t> loss of a main </a:t>
-            </a:r>
-            <a:r>
-              <a:rPr lang="en-US" dirty="0" err="1" smtClean="0">
-                <a:sym typeface="Wingdings" pitchFamily="2" charset="2"/>
-              </a:rPr>
-              <a:t>functionnality</a:t>
-            </a:r>
-            <a:endParaRPr lang="en-US" dirty="0" smtClean="0">
+              <a:t> loss of a main functionality</a:t>
+            </a:r>
+            <a:endParaRPr lang="en-US" sz="2400" dirty="0" smtClean="0">
               <a:sym typeface="Wingdings" pitchFamily="2" charset="2"/>
             </a:endParaRPr>
           </a:p>
           <a:p>
-            <a:r>
-              <a:rPr lang="en-US" dirty="0" smtClean="0">
-                <a:sym typeface="Wingdings" pitchFamily="2" charset="2"/>
-              </a:rPr>
-              <a:t>Acme provides translation between 2 ADLS</a:t>
-            </a:r>
-          </a:p>
-          <a:p>
             <a:pPr lvl="1"/>
-            <a:r>
-              <a:rPr lang="en-US" dirty="0" smtClean="0">
-                <a:sym typeface="Wingdings" pitchFamily="2" charset="2"/>
-              </a:rPr>
-              <a:t> don’t provide advanced tools for each ADL</a:t>
-            </a:r>
+            <a:endParaRPr lang="en-US" sz="2400" dirty="0" smtClean="0">
+              <a:sym typeface="Wingdings" pitchFamily="2" charset="2"/>
+            </a:endParaRPr>
           </a:p>
           <a:p>
             <a:pPr lvl="1"/>
-            <a:r>
-              <a:rPr lang="en-US" dirty="0" smtClean="0">
-                <a:sym typeface="Wingdings" pitchFamily="2" charset="2"/>
-              </a:rPr>
-              <a:t> you may turn to another specify ADL for </a:t>
-            </a:r>
-            <a:endParaRPr lang="en-US" dirty="0" smtClean="0"/>
+            <a:endParaRPr lang="en-US" sz="2400" dirty="0" smtClean="0"/>
           </a:p>
           <a:p>
             <a:pPr lvl="1">
               <a:buNone/>
             </a:pPr>
-            <a:endParaRPr lang="en-US" dirty="0" smtClean="0"/>
+            <a:endParaRPr lang="en-US" sz="2400" dirty="0" smtClean="0"/>
           </a:p>
           <a:p>
             <a:pPr lvl="1"/>
-            <a:endParaRPr lang="en-US" dirty="0" smtClean="0"/>
+            <a:endParaRPr lang="en-US" sz="2400" dirty="0" smtClean="0"/>
           </a:p>
           <a:p>
             <a:pPr lvl="1"/>
-            <a:endParaRPr lang="en-US" dirty="0" smtClean="0"/>
+            <a:endParaRPr lang="en-US" sz="2400" dirty="0" smtClean="0"/>
           </a:p>
           <a:p>
             <a:pPr lvl="1"/>
-            <a:endParaRPr lang="en-US" dirty="0" smtClean="0"/>
+            <a:endParaRPr lang="en-US" sz="2400" dirty="0" smtClean="0"/>
           </a:p>
           <a:p>
             <a:pPr lvl="1"/>
-            <a:endParaRPr lang="en-US" dirty="0" smtClean="0"/>
+            <a:endParaRPr lang="en-US" sz="2400" dirty="0" smtClean="0"/>
           </a:p>
           <a:p>
             <a:pPr lvl="1"/>
-            <a:endParaRPr lang="en-US" dirty="0"/>
+            <a:endParaRPr lang="en-US" sz="2400" dirty="0"/>
           </a:p>
         </p:txBody>
       </p:sp>
@@ -14067,7 +14086,15 @@
           <a:p>
             <a:r>
               <a:rPr lang="en-US" sz="2800" dirty="0" smtClean="0"/>
-              <a:t>The original goal was to provide a common language that could be used to support the interchange of architectural descriptions between a variety of architectural design tools.</a:t>
+              <a:t>The original goal was to provide </a:t>
+            </a:r>
+            <a:r>
+              <a:rPr lang="en-US" sz="2800" b="1" dirty="0" smtClean="0"/>
+              <a:t>a common language </a:t>
+            </a:r>
+            <a:r>
+              <a:rPr lang="en-US" sz="2800" dirty="0" smtClean="0"/>
+              <a:t>that could be used to support the interchange of architectural descriptions between a variety of architectural design tools.</a:t>
             </a:r>
           </a:p>
           <a:p>
